--- a/images/chipathon2024_entry.pptx
+++ b/images/chipathon2024_entry.pptx
@@ -123,7 +123,7 @@
 <file path=ppt/revisionInfo.xml><?xml version="1.0" encoding="utf-8"?>
 <p1510:revInfo xmlns:a="http://schemas.openxmlformats.org/drawingml/2006/main" xmlns:r="http://schemas.openxmlformats.org/officeDocument/2006/relationships" xmlns:p1510="http://schemas.microsoft.com/office/powerpoint/2015/10/main">
   <p1510:revLst>
-    <p1510:client id="{8FA743DE-BC8C-4559-AE10-78BA6BD614DD}" v="12" dt="2025-01-06T00:31:30.432"/>
+    <p1510:client id="{8FA743DE-BC8C-4559-AE10-78BA6BD614DD}" v="14" dt="2025-01-06T14:52:49.738"/>
   </p1510:revLst>
 </p1510:revInfo>
 </file>
@@ -198,7 +198,7 @@
   <pc:docChgLst>
     <pc:chgData name="Noritsuna Imamura" userId="5b2da16fa1785921" providerId="LiveId" clId="{8FA743DE-BC8C-4559-AE10-78BA6BD614DD}"/>
     <pc:docChg chg="undo custSel addSld delSld modSld">
-      <pc:chgData name="Noritsuna Imamura" userId="5b2da16fa1785921" providerId="LiveId" clId="{8FA743DE-BC8C-4559-AE10-78BA6BD614DD}" dt="2025-01-06T00:32:14.146" v="261" actId="47"/>
+      <pc:chgData name="Noritsuna Imamura" userId="5b2da16fa1785921" providerId="LiveId" clId="{8FA743DE-BC8C-4559-AE10-78BA6BD614DD}" dt="2025-01-06T14:53:07.771" v="279" actId="1076"/>
       <pc:docMkLst>
         <pc:docMk/>
       </pc:docMkLst>
@@ -329,7 +329,7 @@
         </pc:picChg>
       </pc:sldChg>
       <pc:sldChg chg="addSp delSp modSp add mod setBg">
-        <pc:chgData name="Noritsuna Imamura" userId="5b2da16fa1785921" providerId="LiveId" clId="{8FA743DE-BC8C-4559-AE10-78BA6BD614DD}" dt="2025-01-06T00:30:13.091" v="148" actId="13822"/>
+        <pc:chgData name="Noritsuna Imamura" userId="5b2da16fa1785921" providerId="LiveId" clId="{8FA743DE-BC8C-4559-AE10-78BA6BD614DD}" dt="2025-01-06T14:52:10.809" v="270" actId="1076"/>
         <pc:sldMkLst>
           <pc:docMk/>
           <pc:sldMk cId="2530126511" sldId="266"/>
@@ -343,7 +343,7 @@
           </ac:spMkLst>
         </pc:spChg>
         <pc:spChg chg="add mod">
-          <ac:chgData name="Noritsuna Imamura" userId="5b2da16fa1785921" providerId="LiveId" clId="{8FA743DE-BC8C-4559-AE10-78BA6BD614DD}" dt="2025-01-06T00:29:40.933" v="129" actId="14100"/>
+          <ac:chgData name="Noritsuna Imamura" userId="5b2da16fa1785921" providerId="LiveId" clId="{8FA743DE-BC8C-4559-AE10-78BA6BD614DD}" dt="2025-01-06T14:52:10.809" v="270" actId="1076"/>
           <ac:spMkLst>
             <pc:docMk/>
             <pc:sldMk cId="2530126511" sldId="266"/>
@@ -351,7 +351,7 @@
           </ac:spMkLst>
         </pc:spChg>
         <pc:spChg chg="add mod">
-          <ac:chgData name="Noritsuna Imamura" userId="5b2da16fa1785921" providerId="LiveId" clId="{8FA743DE-BC8C-4559-AE10-78BA6BD614DD}" dt="2025-01-06T00:29:28.875" v="118" actId="20577"/>
+          <ac:chgData name="Noritsuna Imamura" userId="5b2da16fa1785921" providerId="LiveId" clId="{8FA743DE-BC8C-4559-AE10-78BA6BD614DD}" dt="2025-01-06T14:52:06.548" v="269" actId="1076"/>
           <ac:spMkLst>
             <pc:docMk/>
             <pc:sldMk cId="2530126511" sldId="266"/>
@@ -374,6 +374,14 @@
             <ac:spMk id="14" creationId="{42A4FC2C-047E-45A5-965D-8E1E3BF09BC6}"/>
           </ac:spMkLst>
         </pc:spChg>
+        <pc:picChg chg="add mod ord">
+          <ac:chgData name="Noritsuna Imamura" userId="5b2da16fa1785921" providerId="LiveId" clId="{8FA743DE-BC8C-4559-AE10-78BA6BD614DD}" dt="2025-01-06T14:52:01.495" v="268" actId="14100"/>
+          <ac:picMkLst>
+            <pc:docMk/>
+            <pc:sldMk cId="2530126511" sldId="266"/>
+            <ac:picMk id="5" creationId="{00473220-1538-ED6E-86B4-CF71E9AD03F2}"/>
+          </ac:picMkLst>
+        </pc:picChg>
         <pc:picChg chg="del">
           <ac:chgData name="Noritsuna Imamura" userId="5b2da16fa1785921" providerId="LiveId" clId="{8FA743DE-BC8C-4559-AE10-78BA6BD614DD}" dt="2025-01-06T00:28:46.709" v="84" actId="478"/>
           <ac:picMkLst>
@@ -391,7 +399,7 @@
           </ac:picMkLst>
         </pc:picChg>
         <pc:picChg chg="add del mod">
-          <ac:chgData name="Noritsuna Imamura" userId="5b2da16fa1785921" providerId="LiveId" clId="{8FA743DE-BC8C-4559-AE10-78BA6BD614DD}" dt="2025-01-06T00:29:03.430" v="91" actId="26606"/>
+          <ac:chgData name="Noritsuna Imamura" userId="5b2da16fa1785921" providerId="LiveId" clId="{8FA743DE-BC8C-4559-AE10-78BA6BD614DD}" dt="2025-01-06T14:51:11.516" v="262" actId="478"/>
           <ac:picMkLst>
             <pc:docMk/>
             <pc:sldMk cId="2530126511" sldId="266"/>
@@ -416,13 +424,13 @@
         </pc:picChg>
       </pc:sldChg>
       <pc:sldChg chg="addSp delSp modSp add mod setBg">
-        <pc:chgData name="Noritsuna Imamura" userId="5b2da16fa1785921" providerId="LiveId" clId="{8FA743DE-BC8C-4559-AE10-78BA6BD614DD}" dt="2025-01-06T00:32:01.239" v="259" actId="1076"/>
+        <pc:chgData name="Noritsuna Imamura" userId="5b2da16fa1785921" providerId="LiveId" clId="{8FA743DE-BC8C-4559-AE10-78BA6BD614DD}" dt="2025-01-06T14:53:07.771" v="279" actId="1076"/>
         <pc:sldMkLst>
           <pc:docMk/>
           <pc:sldMk cId="2843231246" sldId="267"/>
         </pc:sldMkLst>
         <pc:spChg chg="add mod">
-          <ac:chgData name="Noritsuna Imamura" userId="5b2da16fa1785921" providerId="LiveId" clId="{8FA743DE-BC8C-4559-AE10-78BA6BD614DD}" dt="2025-01-06T00:31:29.014" v="227" actId="14100"/>
+          <ac:chgData name="Noritsuna Imamura" userId="5b2da16fa1785921" providerId="LiveId" clId="{8FA743DE-BC8C-4559-AE10-78BA6BD614DD}" dt="2025-01-06T14:53:07.771" v="279" actId="1076"/>
           <ac:spMkLst>
             <pc:docMk/>
             <pc:sldMk cId="2843231246" sldId="267"/>
@@ -430,7 +438,7 @@
           </ac:spMkLst>
         </pc:spChg>
         <pc:spChg chg="add mod">
-          <ac:chgData name="Noritsuna Imamura" userId="5b2da16fa1785921" providerId="LiveId" clId="{8FA743DE-BC8C-4559-AE10-78BA6BD614DD}" dt="2025-01-06T00:32:01.239" v="259" actId="1076"/>
+          <ac:chgData name="Noritsuna Imamura" userId="5b2da16fa1785921" providerId="LiveId" clId="{8FA743DE-BC8C-4559-AE10-78BA6BD614DD}" dt="2025-01-06T14:53:03.225" v="278" actId="1076"/>
           <ac:spMkLst>
             <pc:docMk/>
             <pc:sldMk cId="2843231246" sldId="267"/>
@@ -445,6 +453,14 @@
             <ac:spMk id="12" creationId="{42A4FC2C-047E-45A5-965D-8E1E3BF09BC6}"/>
           </ac:spMkLst>
         </pc:spChg>
+        <pc:picChg chg="add mod ord">
+          <ac:chgData name="Noritsuna Imamura" userId="5b2da16fa1785921" providerId="LiveId" clId="{8FA743DE-BC8C-4559-AE10-78BA6BD614DD}" dt="2025-01-06T14:52:59.918" v="277" actId="14100"/>
+          <ac:picMkLst>
+            <pc:docMk/>
+            <pc:sldMk cId="2843231246" sldId="267"/>
+            <ac:picMk id="5" creationId="{AF21A64F-F212-4749-4059-EE432850864F}"/>
+          </ac:picMkLst>
+        </pc:picChg>
         <pc:picChg chg="del">
           <ac:chgData name="Noritsuna Imamura" userId="5b2da16fa1785921" providerId="LiveId" clId="{8FA743DE-BC8C-4559-AE10-78BA6BD614DD}" dt="2025-01-06T00:30:36.548" v="153" actId="478"/>
           <ac:picMkLst>
@@ -453,8 +469,8 @@
             <ac:picMk id="5" creationId="{F4119426-9375-C6E5-854C-1173C83562BA}"/>
           </ac:picMkLst>
         </pc:picChg>
-        <pc:picChg chg="mod">
-          <ac:chgData name="Noritsuna Imamura" userId="5b2da16fa1785921" providerId="LiveId" clId="{8FA743DE-BC8C-4559-AE10-78BA6BD614DD}" dt="2025-01-06T00:30:42.792" v="154" actId="26606"/>
+        <pc:picChg chg="del mod">
+          <ac:chgData name="Noritsuna Imamura" userId="5b2da16fa1785921" providerId="LiveId" clId="{8FA743DE-BC8C-4559-AE10-78BA6BD614DD}" dt="2025-01-06T14:52:39.048" v="271" actId="478"/>
           <ac:picMkLst>
             <pc:docMk/>
             <pc:sldMk cId="2843231246" sldId="267"/>
@@ -6657,6 +6673,42 @@
           <a:chExt cx="0" cy="0"/>
         </a:xfrm>
       </p:grpSpPr>
+      <p:pic>
+        <p:nvPicPr>
+          <p:cNvPr id="5" name="図 4" descr="コンピューターのスクリーンショット&#10;&#10;自動的に生成された説明">
+            <a:extLst>
+              <a:ext uri="{FF2B5EF4-FFF2-40B4-BE49-F238E27FC236}">
+                <a16:creationId xmlns:a16="http://schemas.microsoft.com/office/drawing/2014/main" id="{00473220-1538-ED6E-86B4-CF71E9AD03F2}"/>
+              </a:ext>
+            </a:extLst>
+          </p:cNvPr>
+          <p:cNvPicPr>
+            <a:picLocks noChangeAspect="1"/>
+          </p:cNvPicPr>
+          <p:nvPr/>
+        </p:nvPicPr>
+        <p:blipFill>
+          <a:blip r:embed="rId2">
+            <a:extLst>
+              <a:ext uri="{28A0092B-C50C-407E-A947-70E740481C1C}">
+                <a14:useLocalDpi xmlns:a14="http://schemas.microsoft.com/office/drawing/2010/main" val="0"/>
+              </a:ext>
+            </a:extLst>
+          </a:blip>
+          <a:stretch>
+            <a:fillRect/>
+          </a:stretch>
+        </p:blipFill>
+        <p:spPr>
+          <a:xfrm>
+            <a:off x="-399416" y="-41988"/>
+            <a:ext cx="13182900" cy="7044612"/>
+          </a:xfrm>
+          <a:prstGeom prst="rect">
+            <a:avLst/>
+          </a:prstGeom>
+        </p:spPr>
+      </p:pic>
       <p:sp>
         <p:nvSpPr>
           <p:cNvPr id="14" name="Rectangle 13">
@@ -6812,56 +6864,21 @@
           </a:p>
         </p:txBody>
       </p:sp>
-      <p:pic>
-        <p:nvPicPr>
-          <p:cNvPr id="9" name="図 8" descr="グラフィカル ユーザー インターフェイス, アプリケーション&#10;&#10;自動的に生成された説明">
-            <a:extLst>
-              <a:ext uri="{FF2B5EF4-FFF2-40B4-BE49-F238E27FC236}">
-                <a16:creationId xmlns:a16="http://schemas.microsoft.com/office/drawing/2014/main" id="{FB3D52FA-1E11-650B-7B2E-26CE7893AF9B}"/>
-              </a:ext>
-            </a:extLst>
-          </p:cNvPr>
-          <p:cNvPicPr>
-            <a:picLocks noChangeAspect="1"/>
-          </p:cNvPicPr>
+      <p:sp>
+        <p:nvSpPr>
+          <p:cNvPr id="3" name="吹き出し: 角を丸めた四角形 2">
+            <a:extLst>
+              <a:ext uri="{FF2B5EF4-FFF2-40B4-BE49-F238E27FC236}">
+                <a16:creationId xmlns:a16="http://schemas.microsoft.com/office/drawing/2014/main" id="{0F047DC5-A4E3-160A-8A74-05E9BF7B9E92}"/>
+              </a:ext>
+            </a:extLst>
+          </p:cNvPr>
+          <p:cNvSpPr/>
           <p:nvPr/>
-        </p:nvPicPr>
-        <p:blipFill>
-          <a:blip r:embed="rId2">
-            <a:extLst>
-              <a:ext uri="{28A0092B-C50C-407E-A947-70E740481C1C}">
-                <a14:useLocalDpi xmlns:a14="http://schemas.microsoft.com/office/drawing/2010/main" val="0"/>
-              </a:ext>
-            </a:extLst>
-          </a:blip>
-          <a:srcRect l="5316" r="-1" b="-1"/>
-          <a:stretch/>
-        </p:blipFill>
+        </p:nvSpPr>
         <p:spPr>
           <a:xfrm>
-            <a:off x="20" y="1282"/>
-            <a:ext cx="12191980" cy="6856718"/>
-          </a:xfrm>
-          <a:prstGeom prst="rect">
-            <a:avLst/>
-          </a:prstGeom>
-        </p:spPr>
-      </p:pic>
-      <p:sp>
-        <p:nvSpPr>
-          <p:cNvPr id="3" name="吹き出し: 角を丸めた四角形 2">
-            <a:extLst>
-              <a:ext uri="{FF2B5EF4-FFF2-40B4-BE49-F238E27FC236}">
-                <a16:creationId xmlns:a16="http://schemas.microsoft.com/office/drawing/2014/main" id="{0F047DC5-A4E3-160A-8A74-05E9BF7B9E92}"/>
-              </a:ext>
-            </a:extLst>
-          </p:cNvPr>
-          <p:cNvSpPr/>
-          <p:nvPr/>
-        </p:nvSpPr>
-        <p:spPr>
-          <a:xfrm>
-            <a:off x="9590197" y="438739"/>
+            <a:off x="8395878" y="401416"/>
             <a:ext cx="2046473" cy="790333"/>
           </a:xfrm>
           <a:prstGeom prst="wedgeRoundRectCallout">
@@ -6918,7 +6935,7 @@
         </p:nvSpPr>
         <p:spPr>
           <a:xfrm>
-            <a:off x="7331906" y="438739"/>
+            <a:off x="6142253" y="401416"/>
             <a:ext cx="2046473" cy="790333"/>
           </a:xfrm>
           <a:prstGeom prst="wedgeRoundRectCallout">
@@ -7066,6 +7083,42 @@
           <a:chExt cx="0" cy="0"/>
         </a:xfrm>
       </p:grpSpPr>
+      <p:pic>
+        <p:nvPicPr>
+          <p:cNvPr id="5" name="図 4" descr="グラフィカル ユーザー インターフェイス&#10;&#10;自動的に生成された説明">
+            <a:extLst>
+              <a:ext uri="{FF2B5EF4-FFF2-40B4-BE49-F238E27FC236}">
+                <a16:creationId xmlns:a16="http://schemas.microsoft.com/office/drawing/2014/main" id="{AF21A64F-F212-4749-4059-EE432850864F}"/>
+              </a:ext>
+            </a:extLst>
+          </p:cNvPr>
+          <p:cNvPicPr>
+            <a:picLocks noChangeAspect="1"/>
+          </p:cNvPicPr>
+          <p:nvPr/>
+        </p:nvPicPr>
+        <p:blipFill>
+          <a:blip r:embed="rId2">
+            <a:extLst>
+              <a:ext uri="{28A0092B-C50C-407E-A947-70E740481C1C}">
+                <a14:useLocalDpi xmlns:a14="http://schemas.microsoft.com/office/drawing/2010/main" val="0"/>
+              </a:ext>
+            </a:extLst>
+          </a:blip>
+          <a:stretch>
+            <a:fillRect/>
+          </a:stretch>
+        </p:blipFill>
+        <p:spPr>
+          <a:xfrm>
+            <a:off x="-434337" y="-242597"/>
+            <a:ext cx="13401160" cy="7161245"/>
+          </a:xfrm>
+          <a:prstGeom prst="rect">
+            <a:avLst/>
+          </a:prstGeom>
+        </p:spPr>
+      </p:pic>
       <p:sp>
         <p:nvSpPr>
           <p:cNvPr id="12" name="Rectangle 11">
@@ -7221,56 +7274,21 @@
           </a:p>
         </p:txBody>
       </p:sp>
-      <p:pic>
-        <p:nvPicPr>
-          <p:cNvPr id="7" name="図 6" descr="グラフィカル ユーザー インターフェイス, アプリケーション&#10;&#10;自動的に生成された説明">
-            <a:extLst>
-              <a:ext uri="{FF2B5EF4-FFF2-40B4-BE49-F238E27FC236}">
-                <a16:creationId xmlns:a16="http://schemas.microsoft.com/office/drawing/2014/main" id="{427BB78C-FC8E-A348-AA5E-1309302D3B7E}"/>
-              </a:ext>
-            </a:extLst>
-          </p:cNvPr>
-          <p:cNvPicPr>
-            <a:picLocks noChangeAspect="1"/>
-          </p:cNvPicPr>
+      <p:sp>
+        <p:nvSpPr>
+          <p:cNvPr id="2" name="吹き出し: 角を丸めた四角形 1">
+            <a:extLst>
+              <a:ext uri="{FF2B5EF4-FFF2-40B4-BE49-F238E27FC236}">
+                <a16:creationId xmlns:a16="http://schemas.microsoft.com/office/drawing/2014/main" id="{38F92B2E-1E74-BA7B-756F-C059CAB5864F}"/>
+              </a:ext>
+            </a:extLst>
+          </p:cNvPr>
+          <p:cNvSpPr/>
           <p:nvPr/>
-        </p:nvPicPr>
-        <p:blipFill>
-          <a:blip r:embed="rId2">
-            <a:extLst>
-              <a:ext uri="{28A0092B-C50C-407E-A947-70E740481C1C}">
-                <a14:useLocalDpi xmlns:a14="http://schemas.microsoft.com/office/drawing/2010/main" val="0"/>
-              </a:ext>
-            </a:extLst>
-          </a:blip>
-          <a:srcRect l="5316" r="-1" b="-1"/>
-          <a:stretch/>
-        </p:blipFill>
+        </p:nvSpPr>
         <p:spPr>
           <a:xfrm>
-            <a:off x="20" y="1282"/>
-            <a:ext cx="12191980" cy="6856718"/>
-          </a:xfrm>
-          <a:prstGeom prst="rect">
-            <a:avLst/>
-          </a:prstGeom>
-        </p:spPr>
-      </p:pic>
-      <p:sp>
-        <p:nvSpPr>
-          <p:cNvPr id="2" name="吹き出し: 角を丸めた四角形 1">
-            <a:extLst>
-              <a:ext uri="{FF2B5EF4-FFF2-40B4-BE49-F238E27FC236}">
-                <a16:creationId xmlns:a16="http://schemas.microsoft.com/office/drawing/2014/main" id="{38F92B2E-1E74-BA7B-756F-C059CAB5864F}"/>
-              </a:ext>
-            </a:extLst>
-          </p:cNvPr>
-          <p:cNvSpPr/>
-          <p:nvPr/>
-        </p:nvSpPr>
-        <p:spPr>
-          <a:xfrm>
-            <a:off x="3054111" y="5344064"/>
+            <a:off x="3077437" y="5330068"/>
             <a:ext cx="2138899" cy="790333"/>
           </a:xfrm>
           <a:prstGeom prst="wedgeRoundRectCallout">
@@ -7324,7 +7342,7 @@
         </p:nvSpPr>
         <p:spPr>
           <a:xfrm>
-            <a:off x="3152724" y="171428"/>
+            <a:off x="3679903" y="-113156"/>
             <a:ext cx="2138899" cy="790333"/>
           </a:xfrm>
           <a:prstGeom prst="wedgeRoundRectCallout">
